--- a/AS91903_91906_Evidence_Template.pptx
+++ b/AS91903_91906_Evidence_Template.pptx
@@ -372,7 +372,7 @@
           <a:p>
             <a:fld id="{57E58380-3550-4AA1-8DE5-F8A856B30F15}" type="datetimeFigureOut">
               <a:rPr lang="en-NZ" smtClean="0"/>
-              <a:t>28/07/25</a:t>
+              <a:t>28/07/2025</a:t>
             </a:fld>
             <a:endParaRPr lang="en-NZ"/>
           </a:p>
@@ -580,7 +580,7 @@
           <a:p>
             <a:fld id="{57E58380-3550-4AA1-8DE5-F8A856B30F15}" type="datetimeFigureOut">
               <a:rPr lang="en-NZ" smtClean="0"/>
-              <a:t>28/07/25</a:t>
+              <a:t>28/07/2025</a:t>
             </a:fld>
             <a:endParaRPr lang="en-NZ"/>
           </a:p>
@@ -836,7 +836,7 @@
           <a:p>
             <a:fld id="{57E58380-3550-4AA1-8DE5-F8A856B30F15}" type="datetimeFigureOut">
               <a:rPr lang="en-NZ" smtClean="0"/>
-              <a:t>28/07/25</a:t>
+              <a:t>28/07/2025</a:t>
             </a:fld>
             <a:endParaRPr lang="en-NZ"/>
           </a:p>
@@ -1010,7 +1010,7 @@
           <a:p>
             <a:fld id="{57E58380-3550-4AA1-8DE5-F8A856B30F15}" type="datetimeFigureOut">
               <a:rPr lang="en-NZ" smtClean="0"/>
-              <a:t>28/07/25</a:t>
+              <a:t>28/07/2025</a:t>
             </a:fld>
             <a:endParaRPr lang="en-NZ"/>
           </a:p>
@@ -1353,7 +1353,7 @@
           <a:p>
             <a:fld id="{57E58380-3550-4AA1-8DE5-F8A856B30F15}" type="datetimeFigureOut">
               <a:rPr lang="en-NZ" smtClean="0"/>
-              <a:t>28/07/25</a:t>
+              <a:t>28/07/2025</a:t>
             </a:fld>
             <a:endParaRPr lang="en-NZ"/>
           </a:p>
@@ -1628,7 +1628,7 @@
           <a:p>
             <a:fld id="{57E58380-3550-4AA1-8DE5-F8A856B30F15}" type="datetimeFigureOut">
               <a:rPr lang="en-NZ" smtClean="0"/>
-              <a:t>28/07/25</a:t>
+              <a:t>28/07/2025</a:t>
             </a:fld>
             <a:endParaRPr lang="en-NZ"/>
           </a:p>
@@ -2007,7 +2007,7 @@
           <a:p>
             <a:fld id="{57E58380-3550-4AA1-8DE5-F8A856B30F15}" type="datetimeFigureOut">
               <a:rPr lang="en-NZ" smtClean="0"/>
-              <a:t>28/07/25</a:t>
+              <a:t>28/07/2025</a:t>
             </a:fld>
             <a:endParaRPr lang="en-NZ"/>
           </a:p>
@@ -2125,7 +2125,7 @@
           <a:p>
             <a:fld id="{57E58380-3550-4AA1-8DE5-F8A856B30F15}" type="datetimeFigureOut">
               <a:rPr lang="en-NZ" smtClean="0"/>
-              <a:t>28/07/25</a:t>
+              <a:t>28/07/2025</a:t>
             </a:fld>
             <a:endParaRPr lang="en-NZ"/>
           </a:p>
@@ -2296,7 +2296,7 @@
           <a:p>
             <a:fld id="{57E58380-3550-4AA1-8DE5-F8A856B30F15}" type="datetimeFigureOut">
               <a:rPr lang="en-NZ" smtClean="0"/>
-              <a:t>28/07/25</a:t>
+              <a:t>28/07/2025</a:t>
             </a:fld>
             <a:endParaRPr lang="en-NZ"/>
           </a:p>
@@ -2650,7 +2650,7 @@
           <a:p>
             <a:fld id="{57E58380-3550-4AA1-8DE5-F8A856B30F15}" type="datetimeFigureOut">
               <a:rPr lang="en-NZ" smtClean="0"/>
-              <a:t>28/07/25</a:t>
+              <a:t>28/07/2025</a:t>
             </a:fld>
             <a:endParaRPr lang="en-NZ"/>
           </a:p>
@@ -3032,7 +3032,7 @@
           <a:p>
             <a:fld id="{57E58380-3550-4AA1-8DE5-F8A856B30F15}" type="datetimeFigureOut">
               <a:rPr lang="en-NZ" smtClean="0"/>
-              <a:t>28/07/25</a:t>
+              <a:t>28/07/2025</a:t>
             </a:fld>
             <a:endParaRPr lang="en-NZ"/>
           </a:p>
@@ -3319,7 +3319,7 @@
           <a:p>
             <a:fld id="{57E58380-3550-4AA1-8DE5-F8A856B30F15}" type="datetimeFigureOut">
               <a:rPr lang="en-NZ" smtClean="0"/>
-              <a:t>28/07/25</a:t>
+              <a:t>28/07/2025</a:t>
             </a:fld>
             <a:endParaRPr lang="en-NZ"/>
           </a:p>
@@ -4277,7 +4277,7 @@
           <p:nvPr/>
         </p:nvPicPr>
         <p:blipFill>
-          <a:blip r:embed="rId2">
+          <a:blip r:embed="rId2" cstate="print">
             <a:extLst>
               <a:ext uri="{28A0092B-C50C-407E-A947-70E740481C1C}">
                 <a14:useLocalDpi xmlns:a14="http://schemas.microsoft.com/office/drawing/2010/main" val="0"/>
@@ -11077,6 +11077,10 @@
             <a:r>
               <a:rPr lang="en-NZ" sz="2800" dirty="0"/>
               <a:t>Describe the end user requirements</a:t>
+            </a:r>
+            <a:r>
+              <a:rPr lang="en-NZ" dirty="0"/>
+              <a:t/>
             </a:r>
             <a:br>
               <a:rPr lang="en-NZ" dirty="0"/>
@@ -11468,7 +11472,11 @@
             </a:pPr>
             <a:r>
               <a:rPr lang="en-NZ" sz="2000" dirty="0"/>
-              <a:t>Show how you have used version control throughout the design, development, and testing process.</a:t>
+              <a:t>Show how you have used version control throughout the design, development, and testing process</a:t>
+            </a:r>
+            <a:r>
+              <a:rPr lang="en-NZ" sz="2000" dirty="0" smtClean="0"/>
+              <a:t>.</a:t>
             </a:r>
           </a:p>
           <a:p>
@@ -11476,17 +11484,12 @@
               <a:buNone/>
             </a:pPr>
             <a:r>
-              <a:rPr lang="en-NZ" sz="2000" dirty="0"/>
-              <a:t>https://</a:t>
-            </a:r>
-            <a:r>
-              <a:rPr lang="en-NZ" sz="2000" dirty="0" err="1"/>
-              <a:t>github.com</a:t>
-            </a:r>
-            <a:r>
-              <a:rPr lang="en-NZ" sz="2000" dirty="0"/>
-              <a:t>/Kingston-Smith/Year13Digital</a:t>
-            </a:r>
+              <a:rPr lang="en-NZ" dirty="0">
+                <a:hlinkClick r:id="rId2"/>
+              </a:rPr>
+              <a:t>Kingston-Smith/Year13Digital</a:t>
+            </a:r>
+            <a:endParaRPr lang="en-NZ" sz="2000" dirty="0"/>
           </a:p>
         </p:txBody>
       </p:sp>
@@ -11566,25 +11569,44 @@
             </a:pPr>
             <a:r>
               <a:rPr lang="en-NZ" sz="2000" dirty="0"/>
-              <a:t>Show how you have used GitHub throughout the design, development, and testing process.</a:t>
-            </a:r>
+              <a:t>Show how you have </a:t>
+            </a:r>
+            <a:endParaRPr lang="en-NZ" sz="2000" dirty="0" smtClean="0"/>
           </a:p>
           <a:p>
             <a:pPr marL="0" indent="0">
               <a:buNone/>
             </a:pPr>
             <a:r>
+              <a:rPr lang="en-NZ" sz="2000" dirty="0" smtClean="0"/>
+              <a:t>used </a:t>
+            </a:r>
+            <a:r>
               <a:rPr lang="en-NZ" sz="2000" dirty="0"/>
-              <a:t>https://</a:t>
-            </a:r>
-            <a:r>
-              <a:rPr lang="en-NZ" sz="2000" dirty="0" err="1"/>
-              <a:t>github.com</a:t>
-            </a:r>
-            <a:r>
-              <a:rPr lang="en-NZ" sz="2000" dirty="0"/>
-              <a:t>/Kingston-Smith/Year13Digital</a:t>
-            </a:r>
+              <a:t>GitHub throughout the design, development, and testing process</a:t>
+            </a:r>
+            <a:r>
+              <a:rPr lang="en-NZ" sz="2000" dirty="0" smtClean="0"/>
+              <a:t>.</a:t>
+            </a:r>
+          </a:p>
+          <a:p>
+            <a:pPr marL="0" indent="0">
+              <a:buNone/>
+            </a:pPr>
+            <a:r>
+              <a:rPr lang="en-NZ" dirty="0">
+                <a:hlinkClick r:id="rId2"/>
+              </a:rPr>
+              <a:t>Kingston-Smith/Year13Digital</a:t>
+            </a:r>
+            <a:endParaRPr lang="en-NZ" sz="2000" dirty="0" smtClean="0"/>
+          </a:p>
+          <a:p>
+            <a:pPr marL="0" indent="0">
+              <a:buNone/>
+            </a:pPr>
+            <a:endParaRPr lang="en-NZ" sz="2000" dirty="0"/>
           </a:p>
         </p:txBody>
       </p:sp>
@@ -11736,12 +11758,12 @@
           <a:graphicData uri="http://schemas.openxmlformats.org/presentationml/2006/ole">
             <mc:AlternateContent xmlns:mc="http://schemas.openxmlformats.org/markup-compatibility/2006">
               <mc:Choice xmlns:v="urn:schemas-microsoft-com:vml" Requires="v">
-                <p:oleObj name="Document" r:id="rId2" imgW="9770766" imgH="4267777" progId="Word.Document.12">
+                <p:oleObj spid="_x0000_s1028" name="Document" r:id="rId3" imgW="9770766" imgH="4267777" progId="Word.Document.12">
                   <p:embed/>
                 </p:oleObj>
               </mc:Choice>
               <mc:Fallback>
-                <p:oleObj name="Document" r:id="rId2" imgW="9770766" imgH="4267777" progId="Word.Document.12">
+                <p:oleObj name="Document" r:id="rId3" imgW="9770766" imgH="4267777" progId="Word.Document.12">
                   <p:embed/>
                   <p:pic>
                     <p:nvPicPr>
@@ -11756,7 +11778,7 @@
                       <p:nvPr/>
                     </p:nvPicPr>
                     <p:blipFill>
-                      <a:blip r:embed="rId3"/>
+                      <a:blip r:embed="rId4"/>
                       <a:stretch>
                         <a:fillRect/>
                       </a:stretch>
@@ -11835,12 +11857,12 @@
           <a:graphicData uri="http://schemas.openxmlformats.org/presentationml/2006/ole">
             <mc:AlternateContent xmlns:mc="http://schemas.openxmlformats.org/markup-compatibility/2006">
               <mc:Choice xmlns:v="urn:schemas-microsoft-com:vml" Requires="v">
-                <p:oleObj name="Document" r:id="rId2" imgW="9770766" imgH="6040475" progId="Word.Document.12">
+                <p:oleObj spid="_x0000_s2052" name="Document" r:id="rId3" imgW="9770766" imgH="6040475" progId="Word.Document.12">
                   <p:embed/>
                 </p:oleObj>
               </mc:Choice>
               <mc:Fallback>
-                <p:oleObj name="Document" r:id="rId2" imgW="9770766" imgH="6040475" progId="Word.Document.12">
+                <p:oleObj name="Document" r:id="rId3" imgW="9770766" imgH="6040475" progId="Word.Document.12">
                   <p:embed/>
                   <p:pic>
                     <p:nvPicPr>
@@ -11855,7 +11877,7 @@
                       <p:nvPr/>
                     </p:nvPicPr>
                     <p:blipFill>
-                      <a:blip r:embed="rId3"/>
+                      <a:blip r:embed="rId4"/>
                       <a:stretch>
                         <a:fillRect/>
                       </a:stretch>
@@ -11926,6 +11948,10 @@
             <a:r>
               <a:rPr lang="en-NZ" sz="3100" dirty="0"/>
               <a:t>Describe the purpose and target audience of your website</a:t>
+            </a:r>
+            <a:r>
+              <a:rPr lang="en-NZ" dirty="0"/>
+              <a:t/>
             </a:r>
             <a:br>
               <a:rPr lang="en-NZ" dirty="0"/>
